--- a/JS/exception handeling/Error Handling and Assertion.pptx
+++ b/JS/exception handeling/Error Handling and Assertion.pptx
@@ -3013,313 +3013,7 @@
                 </a:solidFill>
                 <a:latin typeface="Arial"/>
               </a:rPr>
-              <a:t>C</a:t>
-            </a:r>
-            <a:r>
-              <a:rPr b="0" lang="en-US" sz="5860" spc="-1" strike="noStrike">
-                <a:solidFill>
-                  <a:srgbClr val="ffffff"/>
-                </a:solidFill>
-                <a:latin typeface="Arial"/>
-              </a:rPr>
-              <a:t>l</a:t>
-            </a:r>
-            <a:r>
-              <a:rPr b="0" lang="en-US" sz="5860" spc="-1" strike="noStrike">
-                <a:solidFill>
-                  <a:srgbClr val="ffffff"/>
-                </a:solidFill>
-                <a:latin typeface="Arial"/>
-              </a:rPr>
-              <a:t>i</a:t>
-            </a:r>
-            <a:r>
-              <a:rPr b="0" lang="en-US" sz="5860" spc="-1" strike="noStrike">
-                <a:solidFill>
-                  <a:srgbClr val="ffffff"/>
-                </a:solidFill>
-                <a:latin typeface="Arial"/>
-              </a:rPr>
-              <a:t>c</a:t>
-            </a:r>
-            <a:r>
-              <a:rPr b="0" lang="en-US" sz="5860" spc="-1" strike="noStrike">
-                <a:solidFill>
-                  <a:srgbClr val="ffffff"/>
-                </a:solidFill>
-                <a:latin typeface="Arial"/>
-              </a:rPr>
-              <a:t>k</a:t>
-            </a:r>
-            <a:r>
-              <a:rPr b="0" lang="en-US" sz="5860" spc="-1" strike="noStrike">
-                <a:solidFill>
-                  <a:srgbClr val="ffffff"/>
-                </a:solidFill>
-                <a:latin typeface="Arial"/>
-              </a:rPr>
-              <a:t> </a:t>
-            </a:r>
-            <a:r>
-              <a:rPr b="0" lang="en-US" sz="5860" spc="-1" strike="noStrike">
-                <a:solidFill>
-                  <a:srgbClr val="ffffff"/>
-                </a:solidFill>
-                <a:latin typeface="Arial"/>
-              </a:rPr>
-              <a:t>t</a:t>
-            </a:r>
-            <a:r>
-              <a:rPr b="0" lang="en-US" sz="5860" spc="-1" strike="noStrike">
-                <a:solidFill>
-                  <a:srgbClr val="ffffff"/>
-                </a:solidFill>
-                <a:latin typeface="Arial"/>
-              </a:rPr>
-              <a:t>o</a:t>
-            </a:r>
-            <a:r>
-              <a:rPr b="0" lang="en-US" sz="5860" spc="-1" strike="noStrike">
-                <a:solidFill>
-                  <a:srgbClr val="ffffff"/>
-                </a:solidFill>
-                <a:latin typeface="Arial"/>
-              </a:rPr>
-              <a:t> </a:t>
-            </a:r>
-            <a:r>
-              <a:rPr b="0" lang="en-US" sz="5860" spc="-1" strike="noStrike">
-                <a:solidFill>
-                  <a:srgbClr val="ffffff"/>
-                </a:solidFill>
-                <a:latin typeface="Arial"/>
-              </a:rPr>
-              <a:t>e</a:t>
-            </a:r>
-            <a:r>
-              <a:rPr b="0" lang="en-US" sz="5860" spc="-1" strike="noStrike">
-                <a:solidFill>
-                  <a:srgbClr val="ffffff"/>
-                </a:solidFill>
-                <a:latin typeface="Arial"/>
-              </a:rPr>
-              <a:t>d</a:t>
-            </a:r>
-            <a:r>
-              <a:rPr b="0" lang="en-US" sz="5860" spc="-1" strike="noStrike">
-                <a:solidFill>
-                  <a:srgbClr val="ffffff"/>
-                </a:solidFill>
-                <a:latin typeface="Arial"/>
-              </a:rPr>
-              <a:t>i</a:t>
-            </a:r>
-            <a:r>
-              <a:rPr b="0" lang="en-US" sz="5860" spc="-1" strike="noStrike">
-                <a:solidFill>
-                  <a:srgbClr val="ffffff"/>
-                </a:solidFill>
-                <a:latin typeface="Arial"/>
-              </a:rPr>
-              <a:t>t</a:t>
-            </a:r>
-            <a:r>
-              <a:rPr b="0" lang="en-US" sz="5860" spc="-1" strike="noStrike">
-                <a:solidFill>
-                  <a:srgbClr val="ffffff"/>
-                </a:solidFill>
-                <a:latin typeface="Arial"/>
-              </a:rPr>
-              <a:t> </a:t>
-            </a:r>
-            <a:r>
-              <a:rPr b="0" lang="en-US" sz="5860" spc="-1" strike="noStrike">
-                <a:solidFill>
-                  <a:srgbClr val="ffffff"/>
-                </a:solidFill>
-                <a:latin typeface="Arial"/>
-              </a:rPr>
-              <a:t>t</a:t>
-            </a:r>
-            <a:r>
-              <a:rPr b="0" lang="en-US" sz="5860" spc="-1" strike="noStrike">
-                <a:solidFill>
-                  <a:srgbClr val="ffffff"/>
-                </a:solidFill>
-                <a:latin typeface="Arial"/>
-              </a:rPr>
-              <a:t>h</a:t>
-            </a:r>
-            <a:r>
-              <a:rPr b="0" lang="en-US" sz="5860" spc="-1" strike="noStrike">
-                <a:solidFill>
-                  <a:srgbClr val="ffffff"/>
-                </a:solidFill>
-                <a:latin typeface="Arial"/>
-              </a:rPr>
-              <a:t>e</a:t>
-            </a:r>
-            <a:r>
-              <a:rPr b="0" lang="en-US" sz="5860" spc="-1" strike="noStrike">
-                <a:solidFill>
-                  <a:srgbClr val="ffffff"/>
-                </a:solidFill>
-                <a:latin typeface="Arial"/>
-              </a:rPr>
-              <a:t> </a:t>
-            </a:r>
-            <a:r>
-              <a:rPr b="0" lang="en-US" sz="5860" spc="-1" strike="noStrike">
-                <a:solidFill>
-                  <a:srgbClr val="ffffff"/>
-                </a:solidFill>
-                <a:latin typeface="Arial"/>
-              </a:rPr>
-              <a:t>t</a:t>
-            </a:r>
-            <a:r>
-              <a:rPr b="0" lang="en-US" sz="5860" spc="-1" strike="noStrike">
-                <a:solidFill>
-                  <a:srgbClr val="ffffff"/>
-                </a:solidFill>
-                <a:latin typeface="Arial"/>
-              </a:rPr>
-              <a:t>i</a:t>
-            </a:r>
-            <a:r>
-              <a:rPr b="0" lang="en-US" sz="5860" spc="-1" strike="noStrike">
-                <a:solidFill>
-                  <a:srgbClr val="ffffff"/>
-                </a:solidFill>
-                <a:latin typeface="Arial"/>
-              </a:rPr>
-              <a:t>t</a:t>
-            </a:r>
-            <a:r>
-              <a:rPr b="0" lang="en-US" sz="5860" spc="-1" strike="noStrike">
-                <a:solidFill>
-                  <a:srgbClr val="ffffff"/>
-                </a:solidFill>
-                <a:latin typeface="Arial"/>
-              </a:rPr>
-              <a:t>l</a:t>
-            </a:r>
-            <a:r>
-              <a:rPr b="0" lang="en-US" sz="5860" spc="-1" strike="noStrike">
-                <a:solidFill>
-                  <a:srgbClr val="ffffff"/>
-                </a:solidFill>
-                <a:latin typeface="Arial"/>
-              </a:rPr>
-              <a:t>e</a:t>
-            </a:r>
-            <a:r>
-              <a:rPr b="0" lang="en-US" sz="5860" spc="-1" strike="noStrike">
-                <a:solidFill>
-                  <a:srgbClr val="ffffff"/>
-                </a:solidFill>
-                <a:latin typeface="Arial"/>
-              </a:rPr>
-              <a:t> </a:t>
-            </a:r>
-            <a:r>
-              <a:rPr b="0" lang="en-US" sz="5860" spc="-1" strike="noStrike">
-                <a:solidFill>
-                  <a:srgbClr val="ffffff"/>
-                </a:solidFill>
-                <a:latin typeface="Arial"/>
-              </a:rPr>
-              <a:t>t</a:t>
-            </a:r>
-            <a:r>
-              <a:rPr b="0" lang="en-US" sz="5860" spc="-1" strike="noStrike">
-                <a:solidFill>
-                  <a:srgbClr val="ffffff"/>
-                </a:solidFill>
-                <a:latin typeface="Arial"/>
-              </a:rPr>
-              <a:t>e</a:t>
-            </a:r>
-            <a:r>
-              <a:rPr b="0" lang="en-US" sz="5860" spc="-1" strike="noStrike">
-                <a:solidFill>
-                  <a:srgbClr val="ffffff"/>
-                </a:solidFill>
-                <a:latin typeface="Arial"/>
-              </a:rPr>
-              <a:t>x</a:t>
-            </a:r>
-            <a:r>
-              <a:rPr b="0" lang="en-US" sz="5860" spc="-1" strike="noStrike">
-                <a:solidFill>
-                  <a:srgbClr val="ffffff"/>
-                </a:solidFill>
-                <a:latin typeface="Arial"/>
-              </a:rPr>
-              <a:t>t</a:t>
-            </a:r>
-            <a:r>
-              <a:rPr b="0" lang="en-US" sz="5860" spc="-1" strike="noStrike">
-                <a:solidFill>
-                  <a:srgbClr val="ffffff"/>
-                </a:solidFill>
-                <a:latin typeface="Arial"/>
-              </a:rPr>
-              <a:t> </a:t>
-            </a:r>
-            <a:r>
-              <a:rPr b="0" lang="en-US" sz="5860" spc="-1" strike="noStrike">
-                <a:solidFill>
-                  <a:srgbClr val="ffffff"/>
-                </a:solidFill>
-                <a:latin typeface="Arial"/>
-              </a:rPr>
-              <a:t>f</a:t>
-            </a:r>
-            <a:r>
-              <a:rPr b="0" lang="en-US" sz="5860" spc="-1" strike="noStrike">
-                <a:solidFill>
-                  <a:srgbClr val="ffffff"/>
-                </a:solidFill>
-                <a:latin typeface="Arial"/>
-              </a:rPr>
-              <a:t>o</a:t>
-            </a:r>
-            <a:r>
-              <a:rPr b="0" lang="en-US" sz="5860" spc="-1" strike="noStrike">
-                <a:solidFill>
-                  <a:srgbClr val="ffffff"/>
-                </a:solidFill>
-                <a:latin typeface="Arial"/>
-              </a:rPr>
-              <a:t>r</a:t>
-            </a:r>
-            <a:r>
-              <a:rPr b="0" lang="en-US" sz="5860" spc="-1" strike="noStrike">
-                <a:solidFill>
-                  <a:srgbClr val="ffffff"/>
-                </a:solidFill>
-                <a:latin typeface="Arial"/>
-              </a:rPr>
-              <a:t>m</a:t>
-            </a:r>
-            <a:r>
-              <a:rPr b="0" lang="en-US" sz="5860" spc="-1" strike="noStrike">
-                <a:solidFill>
-                  <a:srgbClr val="ffffff"/>
-                </a:solidFill>
-                <a:latin typeface="Arial"/>
-              </a:rPr>
-              <a:t>a</a:t>
-            </a:r>
-            <a:r>
-              <a:rPr b="0" lang="en-US" sz="5860" spc="-1" strike="noStrike">
-                <a:solidFill>
-                  <a:srgbClr val="ffffff"/>
-                </a:solidFill>
-                <a:latin typeface="Arial"/>
-              </a:rPr>
-              <a:t>t</a:t>
+              <a:t>Click to edit the title text format</a:t>
             </a:r>
             <a:endParaRPr b="0" lang="en-US" sz="5860" spc="-1" strike="noStrike">
               <a:solidFill>
@@ -3661,7 +3355,7 @@
           </a:bodyPr>
           <a:p>
             <a:pPr algn="r"/>
-            <a:fld id="{B0443D67-CBD2-4025-8DCA-C133D4A71B86}" type="slidenum">
+            <a:fld id="{8A11CCE6-9AC1-4521-BE61-2EC3C3406791}" type="slidenum">
               <a:rPr b="0" lang="en-US" sz="1400" spc="-1" strike="noStrike">
                 <a:solidFill>
                   <a:srgbClr val="ffffff"/>
@@ -4040,7 +3734,7 @@
           </a:bodyPr>
           <a:p>
             <a:pPr algn="r"/>
-            <a:fld id="{D842631C-CBB1-4CD6-B31B-D1E71867083D}" type="slidenum">
+            <a:fld id="{F55C59E0-485F-465C-9769-CCFF84280BFB}" type="slidenum">
               <a:rPr b="0" lang="en-US" sz="1400" spc="-1" strike="noStrike">
                 <a:latin typeface="Times New Roman"/>
               </a:rPr>
@@ -4211,10 +3905,7 @@
               </a:rPr>
               <a:t>Surviving large teams of developers</a:t>
             </a:r>
-            <a:endParaRPr b="1" lang="en-US" sz="2400" spc="-1" strike="noStrike">
-              <a:solidFill>
-                <a:srgbClr val="ffffff"/>
-              </a:solidFill>
+            <a:endParaRPr b="0" lang="en-US" sz="2400" spc="-1" strike="noStrike">
               <a:latin typeface="Arial"/>
             </a:endParaRPr>
           </a:p>
@@ -4809,7 +4500,7 @@
               <a:rPr b="0" lang="en-US" sz="1800" spc="-1" strike="noStrike">
                 <a:latin typeface="Arial"/>
               </a:rPr>
-              <a:t>Use EH</a:t>
+              <a:t>Use Validation and EH</a:t>
             </a:r>
             <a:endParaRPr b="0" lang="en-US" sz="1800" spc="-1" strike="noStrike">
               <a:latin typeface="Arial"/>
@@ -4871,8 +4562,8 @@
         </p:nvSpPr>
         <p:spPr>
           <a:xfrm>
-            <a:off x="3566160" y="3311280"/>
-            <a:ext cx="1188720" cy="346320"/>
+            <a:off x="3931920" y="3402720"/>
+            <a:ext cx="640080" cy="346320"/>
           </a:xfrm>
           <a:prstGeom prst="rect">
             <a:avLst/>
@@ -4892,6 +4583,42 @@
                 <a:latin typeface="Arial"/>
               </a:rPr>
               <a:t>EH</a:t>
+            </a:r>
+            <a:endParaRPr b="0" lang="en-US" sz="1800" spc="-1" strike="noStrike">
+              <a:latin typeface="Arial"/>
+            </a:endParaRPr>
+          </a:p>
+        </p:txBody>
+      </p:sp>
+      <p:sp>
+        <p:nvSpPr>
+          <p:cNvPr id="111" name="TextShape 6"/>
+          <p:cNvSpPr txBox="1"/>
+          <p:nvPr/>
+        </p:nvSpPr>
+        <p:spPr>
+          <a:xfrm>
+            <a:off x="2926080" y="3165120"/>
+            <a:ext cx="1280160" cy="401040"/>
+          </a:xfrm>
+          <a:prstGeom prst="rect">
+            <a:avLst/>
+          </a:prstGeom>
+          <a:noFill/>
+          <a:ln>
+            <a:noFill/>
+          </a:ln>
+        </p:spPr>
+        <p:txBody>
+          <a:bodyPr lIns="90000" rIns="90000" tIns="45000" bIns="45000">
+            <a:spAutoFit/>
+          </a:bodyPr>
+          <a:p>
+            <a:r>
+              <a:rPr b="0" lang="en-US" sz="1800" spc="-1" strike="noStrike">
+                <a:latin typeface="Arial"/>
+              </a:rPr>
+              <a:t>Validation</a:t>
             </a:r>
             <a:endParaRPr b="0" lang="en-US" sz="1800" spc="-1" strike="noStrike">
               <a:latin typeface="Arial"/>
@@ -4931,7 +4658,7 @@
       </p:grpSpPr>
       <p:sp>
         <p:nvSpPr>
-          <p:cNvPr id="111" name="TextShape 1"/>
+          <p:cNvPr id="112" name="TextShape 1"/>
           <p:cNvSpPr txBox="1"/>
           <p:nvPr/>
         </p:nvSpPr>
@@ -4984,7 +4711,7 @@
       </p:sp>
       <p:pic>
         <p:nvPicPr>
-          <p:cNvPr id="112" name="" descr=""/>
+          <p:cNvPr id="113" name="" descr=""/>
           <p:cNvPicPr/>
           <p:nvPr/>
         </p:nvPicPr>
@@ -5617,13 +5344,7 @@
               <a:rPr b="0" lang="en-US" sz="3200" spc="-1" strike="noStrike">
                 <a:latin typeface="Arial"/>
               </a:rPr>
-              <a:t>We are not familiar with functions that other </a:t>
-            </a:r>
-            <a:r>
-              <a:rPr b="0" lang="en-US" sz="3200" spc="-1" strike="noStrike">
-                <a:latin typeface="Arial"/>
-              </a:rPr>
-              <a:t>wrote</a:t>
+              <a:t>We are not familiar with functions that other wrote</a:t>
             </a:r>
             <a:endParaRPr b="0" lang="en-US" sz="3200" spc="-1" strike="noStrike">
               <a:latin typeface="Arial"/>
@@ -5667,13 +5388,7 @@
               <a:rPr b="0" lang="en-US" sz="3200" spc="-1" strike="noStrike">
                 <a:latin typeface="Arial"/>
               </a:rPr>
-              <a:t>We have different ideas and logic, and we </a:t>
-            </a:r>
-            <a:r>
-              <a:rPr b="0" lang="en-US" sz="3200" spc="-1" strike="noStrike">
-                <a:latin typeface="Arial"/>
-              </a:rPr>
-              <a:t>don’t have common logic.</a:t>
+              <a:t>We have different ideas and logic, and we don’t have common logic.</a:t>
             </a:r>
             <a:endParaRPr b="0" lang="en-US" sz="3200" spc="-1" strike="noStrike">
               <a:latin typeface="Arial"/>
@@ -6563,9 +6278,6 @@
               <a:t>When to use each type?</a:t>
             </a:r>
             <a:endParaRPr b="0" lang="en-US" sz="2800" spc="-1" strike="noStrike">
-              <a:solidFill>
-                <a:srgbClr val="ffffff"/>
-              </a:solidFill>
               <a:latin typeface="Arial"/>
             </a:endParaRPr>
           </a:p>
